--- a/PEM.pptx
+++ b/PEM.pptx
@@ -235,7 +235,7 @@
           <a:effectLst/>
           <a:extLst>
             <a:ext uri="{91240B29-F687-4f45-9708-019B960494DF}">
-              <a14:hiddenLine xmlns:a14="http://schemas.microsoft.com/office/drawing/2010/main" xmlns="" w="9525">
+              <a14:hiddenLine xmlns="" xmlns:a14="http://schemas.microsoft.com/office/drawing/2010/main" w="9525">
                 <a:solidFill>
                   <a:srgbClr val="000000"/>
                 </a:solidFill>
@@ -1764,7 +1764,7 @@
           <a:ln/>
           <a:extLst>
             <a:ext uri="{91240B29-F687-4f45-9708-019B960494DF}">
-              <a14:hiddenLine xmlns:a14="http://schemas.microsoft.com/office/drawing/2010/main" xmlns="" w="9525">
+              <a14:hiddenLine xmlns="" xmlns:a14="http://schemas.microsoft.com/office/drawing/2010/main" w="9525">
                 <a:solidFill>
                   <a:srgbClr val="000000"/>
                 </a:solidFill>
@@ -2039,7 +2039,7 @@
           <a:ln/>
           <a:extLst>
             <a:ext uri="{91240B29-F687-4f45-9708-019B960494DF}">
-              <a14:hiddenLine xmlns:a14="http://schemas.microsoft.com/office/drawing/2010/main" xmlns="" w="9525">
+              <a14:hiddenLine xmlns="" xmlns:a14="http://schemas.microsoft.com/office/drawing/2010/main" w="9525">
                 <a:solidFill>
                   <a:srgbClr val="000000"/>
                 </a:solidFill>
@@ -2322,7 +2322,7 @@
           <a:ln/>
           <a:extLst>
             <a:ext uri="{91240B29-F687-4f45-9708-019B960494DF}">
-              <a14:hiddenLine xmlns:a14="http://schemas.microsoft.com/office/drawing/2010/main" xmlns="" w="9525">
+              <a14:hiddenLine xmlns="" xmlns:a14="http://schemas.microsoft.com/office/drawing/2010/main" w="9525">
                 <a:solidFill>
                   <a:srgbClr val="000000"/>
                 </a:solidFill>
@@ -2948,7 +2948,7 @@
           <a:ln/>
           <a:extLst>
             <a:ext uri="{91240B29-F687-4f45-9708-019B960494DF}">
-              <a14:hiddenLine xmlns:a14="http://schemas.microsoft.com/office/drawing/2010/main" xmlns="" w="9525">
+              <a14:hiddenLine xmlns="" xmlns:a14="http://schemas.microsoft.com/office/drawing/2010/main" w="9525">
                 <a:solidFill>
                   <a:srgbClr val="000000"/>
                 </a:solidFill>
@@ -3287,7 +3287,7 @@
           <a:ln/>
           <a:extLst>
             <a:ext uri="{91240B29-F687-4f45-9708-019B960494DF}">
-              <a14:hiddenLine xmlns:a14="http://schemas.microsoft.com/office/drawing/2010/main" xmlns="" w="9525">
+              <a14:hiddenLine xmlns="" xmlns:a14="http://schemas.microsoft.com/office/drawing/2010/main" w="9525">
                 <a:solidFill>
                   <a:srgbClr val="000000"/>
                 </a:solidFill>
@@ -3764,7 +3764,7 @@
           <a:ln/>
           <a:extLst>
             <a:ext uri="{91240B29-F687-4f45-9708-019B960494DF}">
-              <a14:hiddenLine xmlns:a14="http://schemas.microsoft.com/office/drawing/2010/main" xmlns="" w="9525">
+              <a14:hiddenLine xmlns="" xmlns:a14="http://schemas.microsoft.com/office/drawing/2010/main" w="9525">
                 <a:solidFill>
                   <a:srgbClr val="000000"/>
                 </a:solidFill>
@@ -4193,7 +4193,7 @@
           <a:ln/>
           <a:extLst>
             <a:ext uri="{91240B29-F687-4f45-9708-019B960494DF}">
-              <a14:hiddenLine xmlns:a14="http://schemas.microsoft.com/office/drawing/2010/main" xmlns="" w="9525">
+              <a14:hiddenLine xmlns="" xmlns:a14="http://schemas.microsoft.com/office/drawing/2010/main" w="9525">
                 <a:solidFill>
                   <a:srgbClr val="000000"/>
                 </a:solidFill>
@@ -8293,10 +8293,25 @@
               <a:buNone/>
             </a:pPr>
             <a:r>
-              <a:rPr lang="pl-PL"/>
-              <a:t>Kodowanie base-64 (zwane także kodowaniem Radix-64 lub ASCII armour) przetwarza dowolne dane wejściowe w drukowalny znak wyjściowe. W tej technice wejściowe dane binarne są w blokach o 3 oktetach lub 24 bitach. Te 24 bity są uważane za złożone z 4 zestawów, każdy z 6 bitów. Każdy taki zestaw 6 bitów jest odwzorowany w 8-bitowy znak wyjściowy wyjściowy w tym procesie.</a:t>
-            </a:r>
-            <a:endParaRPr lang="pl-PL" dirty="0"/>
+              <a:rPr lang="pl-PL" dirty="0"/>
+              <a:t>Kodowanie base-64 (zwane także kodowaniem Radix-64 lub ASCII </a:t>
+            </a:r>
+            <a:r>
+              <a:rPr lang="pl-PL" dirty="0" err="1"/>
+              <a:t>armour</a:t>
+            </a:r>
+            <a:r>
+              <a:rPr lang="pl-PL" dirty="0"/>
+              <a:t>) przetwarza dowolne dane wejściowe w drukowalny znak wyjściowe. W tej technice wejściowe dane binarne są w blokach o 3 oktetach lub 24 bitach. Te 24 bity są przygotowane do </a:t>
+            </a:r>
+            <a:r>
+              <a:rPr lang="pl-PL" dirty="0" err="1"/>
+              <a:t>złożonia</a:t>
+            </a:r>
+            <a:r>
+              <a:rPr lang="pl-PL" dirty="0"/>
+              <a:t> w 4 zestawy, każdy z 6 bitów. Każdy taki zestaw 6 bitów jest odwzorowany w 8-bitowy znak wyjściowy.</a:t>
+            </a:r>
           </a:p>
         </p:txBody>
       </p:sp>
@@ -9315,7 +9330,7 @@
         <p:spPr>
           <a:xfrm>
             <a:off x="7402861" y="5124978"/>
-            <a:ext cx="4584909" cy="369332"/>
+            <a:ext cx="4649030" cy="369332"/>
           </a:xfrm>
           <a:prstGeom prst="rect">
             <a:avLst/>
@@ -9345,7 +9360,15 @@
             </a:r>
             <a:r>
               <a:rPr lang="pl-PL" dirty="0" err="1"/>
-              <a:t>intofour</a:t>
+              <a:t>into</a:t>
+            </a:r>
+            <a:r>
+              <a:rPr lang="pl-PL" dirty="0"/>
+              <a:t> </a:t>
+            </a:r>
+            <a:r>
+              <a:rPr lang="pl-PL" dirty="0" err="1"/>
+              <a:t>four</a:t>
             </a:r>
             <a:r>
               <a:rPr lang="pl-PL" dirty="0"/>
@@ -9510,7 +9533,7 @@
             </a:pPr>
             <a:r>
               <a:rPr lang="pl-PL" dirty="0"/>
-              <a:t>Wydaje się to być dość prostym procesem. Jednak jedno kluczowe pytanie brzmi: jaka jest logika używana do mapowania 64-bitowego bloku wejściowego na wyjściowy 8-bitowy? W tym celu wykorzystano tablicę odwzorowania, którą objaśniono w poniższym przykładzie.</a:t>
+              <a:t>Wydaje się to być dość prostym procesem. Jednak jedno kluczowe pytanie brzmi: jaka jest logika używana do mapowania 6-bitowego bloku wejściowego na wyjściowy 8-bitowy? W tym celu wykorzystuje się tablicę odwzorowania.</a:t>
             </a:r>
           </a:p>
           <a:p>
@@ -9519,7 +9542,7 @@
             </a:pPr>
             <a:r>
               <a:rPr lang="pl-PL" dirty="0"/>
-              <a:t>W naszym przykładzie kodowania Base-64, weźmy pod uwagę 24-bitową nieprzetworzoną warstwę 011001 110100 101000 100110</a:t>
+              <a:t>W tym przykładzie kodowania Base-64, rozważana jest 24-bitowa nieprzetworzoną strumień binarny  011001 110100 101000 100110</a:t>
             </a:r>
           </a:p>
         </p:txBody>
@@ -11115,7 +11138,7 @@
         <p:spPr>
           <a:xfrm>
             <a:off x="7359543" y="5122607"/>
-            <a:ext cx="3911648" cy="369332"/>
+            <a:ext cx="3744936" cy="369332"/>
           </a:xfrm>
           <a:prstGeom prst="rect">
             <a:avLst/>
@@ -11128,12 +11151,8 @@
           <a:lstStyle/>
           <a:p>
             <a:r>
-              <a:rPr lang="pl-PL" dirty="0" err="1"/>
-              <a:t>Where</a:t>
-            </a:r>
-            <a:r>
               <a:rPr lang="pl-PL" dirty="0"/>
-              <a:t> </a:t>
+              <a:t>Write </a:t>
             </a:r>
             <a:r>
               <a:rPr lang="pl-PL" dirty="0" err="1"/>
